--- a/Data Science Final.pptx
+++ b/Data Science Final.pptx
@@ -5,19 +5,20 @@
     <p:sldMasterId id="2147483673" r:id="rId1"/>
   </p:sldMasterIdLst>
   <p:notesMasterIdLst>
-    <p:notesMasterId r:id="rId9"/>
+    <p:notesMasterId r:id="rId10"/>
   </p:notesMasterIdLst>
   <p:handoutMasterIdLst>
-    <p:handoutMasterId r:id="rId10"/>
+    <p:handoutMasterId r:id="rId11"/>
   </p:handoutMasterIdLst>
   <p:sldIdLst>
     <p:sldId id="257" r:id="rId2"/>
     <p:sldId id="261" r:id="rId3"/>
-    <p:sldId id="262" r:id="rId4"/>
-    <p:sldId id="263" r:id="rId5"/>
-    <p:sldId id="264" r:id="rId6"/>
-    <p:sldId id="265" r:id="rId7"/>
-    <p:sldId id="266" r:id="rId8"/>
+    <p:sldId id="267" r:id="rId4"/>
+    <p:sldId id="262" r:id="rId5"/>
+    <p:sldId id="263" r:id="rId6"/>
+    <p:sldId id="264" r:id="rId7"/>
+    <p:sldId id="265" r:id="rId8"/>
+    <p:sldId id="266" r:id="rId9"/>
   </p:sldIdLst>
   <p:sldSz cx="12192000" cy="6858000"/>
   <p:notesSz cx="6858000" cy="9144000"/>
@@ -1078,14 +1079,14 @@
           </a:pPr>
           <a:r>
             <a:rPr lang="zh-TW" altLang="en-US" sz="3600" dirty="0">
-              <a:latin typeface="標楷體" panose="03000509000000000000" pitchFamily="65" charset="-120"/>
-              <a:ea typeface="標楷體" panose="03000509000000000000" pitchFamily="65" charset="-120"/>
+              <a:latin typeface="微軟正黑體" panose="020B0604030504040204" pitchFamily="34" charset="-120"/>
+              <a:ea typeface="微軟正黑體" panose="020B0604030504040204" pitchFamily="34" charset="-120"/>
             </a:rPr>
             <a:t>資料說明</a:t>
           </a:r>
           <a:endParaRPr lang="zh-tw" sz="3600" dirty="0">
-            <a:latin typeface="標楷體" panose="03000509000000000000" pitchFamily="65" charset="-120"/>
-            <a:ea typeface="標楷體" panose="03000509000000000000" pitchFamily="65" charset="-120"/>
+            <a:latin typeface="微軟正黑體" panose="020B0604030504040204" pitchFamily="34" charset="-120"/>
+            <a:ea typeface="微軟正黑體" panose="020B0604030504040204" pitchFamily="34" charset="-120"/>
           </a:endParaRPr>
         </a:p>
       </dgm:t>
@@ -1099,8 +1100,8 @@
         <a:p>
           <a:pPr rtl="0"/>
           <a:endParaRPr lang="en-US">
-            <a:latin typeface="Microsoft JhengHei UI" panose="020B0604030504040204" pitchFamily="34" charset="-120"/>
-            <a:ea typeface="Microsoft JhengHei UI" panose="020B0604030504040204" pitchFamily="34" charset="-120"/>
+            <a:latin typeface="微軟正黑體" panose="020B0604030504040204" pitchFamily="34" charset="-120"/>
+            <a:ea typeface="微軟正黑體" panose="020B0604030504040204" pitchFamily="34" charset="-120"/>
           </a:endParaRPr>
         </a:p>
       </dgm:t>
@@ -1114,8 +1115,8 @@
         <a:p>
           <a:pPr rtl="0"/>
           <a:endParaRPr lang="en-US">
-            <a:latin typeface="Microsoft JhengHei UI" panose="020B0604030504040204" pitchFamily="34" charset="-120"/>
-            <a:ea typeface="Microsoft JhengHei UI" panose="020B0604030504040204" pitchFamily="34" charset="-120"/>
+            <a:latin typeface="微軟正黑體" panose="020B0604030504040204" pitchFamily="34" charset="-120"/>
+            <a:ea typeface="微軟正黑體" panose="020B0604030504040204" pitchFamily="34" charset="-120"/>
           </a:endParaRPr>
         </a:p>
       </dgm:t>
@@ -1135,14 +1136,14 @@
           </a:pPr>
           <a:r>
             <a:rPr lang="zh-TW" altLang="en-US" sz="3600" dirty="0">
-              <a:latin typeface="標楷體" panose="03000509000000000000" pitchFamily="65" charset="-120"/>
-              <a:ea typeface="標楷體" panose="03000509000000000000" pitchFamily="65" charset="-120"/>
+              <a:latin typeface="微軟正黑體" panose="020B0604030504040204" pitchFamily="34" charset="-120"/>
+              <a:ea typeface="微軟正黑體" panose="020B0604030504040204" pitchFamily="34" charset="-120"/>
             </a:rPr>
             <a:t>分類目標</a:t>
           </a:r>
           <a:endParaRPr lang="zh-tw" sz="3600" dirty="0">
-            <a:latin typeface="標楷體" panose="03000509000000000000" pitchFamily="65" charset="-120"/>
-            <a:ea typeface="標楷體" panose="03000509000000000000" pitchFamily="65" charset="-120"/>
+            <a:latin typeface="微軟正黑體" panose="020B0604030504040204" pitchFamily="34" charset="-120"/>
+            <a:ea typeface="微軟正黑體" panose="020B0604030504040204" pitchFamily="34" charset="-120"/>
           </a:endParaRPr>
         </a:p>
       </dgm:t>
@@ -1156,8 +1157,8 @@
         <a:p>
           <a:pPr rtl="0"/>
           <a:endParaRPr lang="en-US">
-            <a:latin typeface="Microsoft JhengHei UI" panose="020B0604030504040204" pitchFamily="34" charset="-120"/>
-            <a:ea typeface="Microsoft JhengHei UI" panose="020B0604030504040204" pitchFamily="34" charset="-120"/>
+            <a:latin typeface="微軟正黑體" panose="020B0604030504040204" pitchFamily="34" charset="-120"/>
+            <a:ea typeface="微軟正黑體" panose="020B0604030504040204" pitchFamily="34" charset="-120"/>
           </a:endParaRPr>
         </a:p>
       </dgm:t>
@@ -1171,8 +1172,8 @@
         <a:p>
           <a:pPr rtl="0"/>
           <a:endParaRPr lang="en-US">
-            <a:latin typeface="Microsoft JhengHei UI" panose="020B0604030504040204" pitchFamily="34" charset="-120"/>
-            <a:ea typeface="Microsoft JhengHei UI" panose="020B0604030504040204" pitchFamily="34" charset="-120"/>
+            <a:latin typeface="微軟正黑體" panose="020B0604030504040204" pitchFamily="34" charset="-120"/>
+            <a:ea typeface="微軟正黑體" panose="020B0604030504040204" pitchFamily="34" charset="-120"/>
           </a:endParaRPr>
         </a:p>
       </dgm:t>
@@ -1192,14 +1193,14 @@
           </a:pPr>
           <a:r>
             <a:rPr lang="zh-TW" altLang="en-US" sz="3600" dirty="0">
-              <a:latin typeface="標楷體" panose="03000509000000000000" pitchFamily="65" charset="-120"/>
-              <a:ea typeface="標楷體" panose="03000509000000000000" pitchFamily="65" charset="-120"/>
+              <a:latin typeface="微軟正黑體" panose="020B0604030504040204" pitchFamily="34" charset="-120"/>
+              <a:ea typeface="微軟正黑體" panose="020B0604030504040204" pitchFamily="34" charset="-120"/>
             </a:rPr>
             <a:t>結果</a:t>
           </a:r>
           <a:endParaRPr lang="zh-tw" sz="3600" dirty="0">
-            <a:latin typeface="標楷體" panose="03000509000000000000" pitchFamily="65" charset="-120"/>
-            <a:ea typeface="標楷體" panose="03000509000000000000" pitchFamily="65" charset="-120"/>
+            <a:latin typeface="微軟正黑體" panose="020B0604030504040204" pitchFamily="34" charset="-120"/>
+            <a:ea typeface="微軟正黑體" panose="020B0604030504040204" pitchFamily="34" charset="-120"/>
           </a:endParaRPr>
         </a:p>
       </dgm:t>
@@ -1213,8 +1214,8 @@
         <a:p>
           <a:pPr rtl="0"/>
           <a:endParaRPr lang="en-US">
-            <a:latin typeface="Microsoft JhengHei UI" panose="020B0604030504040204" pitchFamily="34" charset="-120"/>
-            <a:ea typeface="Microsoft JhengHei UI" panose="020B0604030504040204" pitchFamily="34" charset="-120"/>
+            <a:latin typeface="微軟正黑體" panose="020B0604030504040204" pitchFamily="34" charset="-120"/>
+            <a:ea typeface="微軟正黑體" panose="020B0604030504040204" pitchFamily="34" charset="-120"/>
           </a:endParaRPr>
         </a:p>
       </dgm:t>
@@ -1228,8 +1229,8 @@
         <a:p>
           <a:pPr rtl="0"/>
           <a:endParaRPr lang="en-US">
-            <a:latin typeface="Microsoft JhengHei UI" panose="020B0604030504040204" pitchFamily="34" charset="-120"/>
-            <a:ea typeface="Microsoft JhengHei UI" panose="020B0604030504040204" pitchFamily="34" charset="-120"/>
+            <a:latin typeface="微軟正黑體" panose="020B0604030504040204" pitchFamily="34" charset="-120"/>
+            <a:ea typeface="微軟正黑體" panose="020B0604030504040204" pitchFamily="34" charset="-120"/>
           </a:endParaRPr>
         </a:p>
       </dgm:t>
@@ -1453,7 +1454,7 @@
       </dsp:nvSpPr>
       <dsp:spPr>
         <a:xfrm>
-          <a:off x="616949" y="310305"/>
+          <a:off x="616949" y="265305"/>
           <a:ext cx="1818562" cy="1818562"/>
         </a:xfrm>
         <a:prstGeom prst="ellipse">
@@ -1492,7 +1493,7 @@
       </dsp:nvSpPr>
       <dsp:spPr>
         <a:xfrm>
-          <a:off x="1004512" y="697868"/>
+          <a:off x="1004512" y="652868"/>
           <a:ext cx="1043437" cy="1043437"/>
         </a:xfrm>
         <a:prstGeom prst="rect">
@@ -1542,8 +1543,8 @@
       </dsp:nvSpPr>
       <dsp:spPr>
         <a:xfrm>
-          <a:off x="8968" y="2417400"/>
-          <a:ext cx="3007157" cy="720000"/>
+          <a:off x="8968" y="2337662"/>
+          <a:ext cx="3007157" cy="810000"/>
         </a:xfrm>
         <a:prstGeom prst="rect">
           <a:avLst/>
@@ -1587,20 +1588,20 @@
           </a:pPr>
           <a:r>
             <a:rPr lang="zh-TW" altLang="en-US" sz="3600" kern="1200" dirty="0">
-              <a:latin typeface="標楷體" panose="03000509000000000000" pitchFamily="65" charset="-120"/>
-              <a:ea typeface="標楷體" panose="03000509000000000000" pitchFamily="65" charset="-120"/>
+              <a:latin typeface="微軟正黑體" panose="020B0604030504040204" pitchFamily="34" charset="-120"/>
+              <a:ea typeface="微軟正黑體" panose="020B0604030504040204" pitchFamily="34" charset="-120"/>
             </a:rPr>
             <a:t>資料說明</a:t>
           </a:r>
           <a:endParaRPr lang="zh-tw" sz="3600" kern="1200" dirty="0">
-            <a:latin typeface="標楷體" panose="03000509000000000000" pitchFamily="65" charset="-120"/>
-            <a:ea typeface="標楷體" panose="03000509000000000000" pitchFamily="65" charset="-120"/>
+            <a:latin typeface="微軟正黑體" panose="020B0604030504040204" pitchFamily="34" charset="-120"/>
+            <a:ea typeface="微軟正黑體" panose="020B0604030504040204" pitchFamily="34" charset="-120"/>
           </a:endParaRPr>
         </a:p>
       </dsp:txBody>
       <dsp:txXfrm>
-        <a:off x="8968" y="2417400"/>
-        <a:ext cx="3007157" cy="720000"/>
+        <a:off x="8968" y="2337662"/>
+        <a:ext cx="3007157" cy="810000"/>
       </dsp:txXfrm>
     </dsp:sp>
     <dsp:sp modelId="{BCD8CDD9-0C56-4401-ADB1-8B48DAB2C96F}">
@@ -1610,7 +1611,7 @@
       </dsp:nvSpPr>
       <dsp:spPr>
         <a:xfrm>
-          <a:off x="4132872" y="310305"/>
+          <a:off x="4132872" y="265305"/>
           <a:ext cx="1818562" cy="1818562"/>
         </a:xfrm>
         <a:prstGeom prst="ellipse">
@@ -1649,7 +1650,7 @@
       </dsp:nvSpPr>
       <dsp:spPr>
         <a:xfrm>
-          <a:off x="4520434" y="697868"/>
+          <a:off x="4520434" y="652868"/>
           <a:ext cx="1043437" cy="1043437"/>
         </a:xfrm>
         <a:prstGeom prst="rect">
@@ -1699,8 +1700,8 @@
       </dsp:nvSpPr>
       <dsp:spPr>
         <a:xfrm>
-          <a:off x="3547563" y="2417198"/>
-          <a:ext cx="2981250" cy="720000"/>
+          <a:off x="3547563" y="2337435"/>
+          <a:ext cx="2981250" cy="810000"/>
         </a:xfrm>
         <a:prstGeom prst="rect">
           <a:avLst/>
@@ -1744,20 +1745,20 @@
           </a:pPr>
           <a:r>
             <a:rPr lang="zh-TW" altLang="en-US" sz="3600" kern="1200" dirty="0">
-              <a:latin typeface="標楷體" panose="03000509000000000000" pitchFamily="65" charset="-120"/>
-              <a:ea typeface="標楷體" panose="03000509000000000000" pitchFamily="65" charset="-120"/>
+              <a:latin typeface="微軟正黑體" panose="020B0604030504040204" pitchFamily="34" charset="-120"/>
+              <a:ea typeface="微軟正黑體" panose="020B0604030504040204" pitchFamily="34" charset="-120"/>
             </a:rPr>
             <a:t>分類目標</a:t>
           </a:r>
           <a:endParaRPr lang="zh-tw" sz="3600" kern="1200" dirty="0">
-            <a:latin typeface="標楷體" panose="03000509000000000000" pitchFamily="65" charset="-120"/>
-            <a:ea typeface="標楷體" panose="03000509000000000000" pitchFamily="65" charset="-120"/>
+            <a:latin typeface="微軟正黑體" panose="020B0604030504040204" pitchFamily="34" charset="-120"/>
+            <a:ea typeface="微軟正黑體" panose="020B0604030504040204" pitchFamily="34" charset="-120"/>
           </a:endParaRPr>
         </a:p>
       </dsp:txBody>
       <dsp:txXfrm>
-        <a:off x="3547563" y="2417198"/>
-        <a:ext cx="2981250" cy="720000"/>
+        <a:off x="3547563" y="2337435"/>
+        <a:ext cx="2981250" cy="810000"/>
       </dsp:txXfrm>
     </dsp:sp>
     <dsp:sp modelId="{FF93E135-77D6-48A0-8871-9BC93D705D06}">
@@ -1767,7 +1768,7 @@
       </dsp:nvSpPr>
       <dsp:spPr>
         <a:xfrm>
-          <a:off x="7635841" y="310305"/>
+          <a:off x="7635841" y="265305"/>
           <a:ext cx="1818562" cy="1818562"/>
         </a:xfrm>
         <a:prstGeom prst="ellipse">
@@ -1806,7 +1807,7 @@
       </dsp:nvSpPr>
       <dsp:spPr>
         <a:xfrm>
-          <a:off x="8023403" y="697868"/>
+          <a:off x="8023403" y="652868"/>
           <a:ext cx="1043437" cy="1043437"/>
         </a:xfrm>
         <a:prstGeom prst="rect">
@@ -1856,8 +1857,8 @@
       </dsp:nvSpPr>
       <dsp:spPr>
         <a:xfrm>
-          <a:off x="7077149" y="2417400"/>
-          <a:ext cx="2981250" cy="720000"/>
+          <a:off x="7077149" y="2337662"/>
+          <a:ext cx="2981250" cy="810000"/>
         </a:xfrm>
         <a:prstGeom prst="rect">
           <a:avLst/>
@@ -1901,20 +1902,20 @@
           </a:pPr>
           <a:r>
             <a:rPr lang="zh-TW" altLang="en-US" sz="3600" kern="1200" dirty="0">
-              <a:latin typeface="標楷體" panose="03000509000000000000" pitchFamily="65" charset="-120"/>
-              <a:ea typeface="標楷體" panose="03000509000000000000" pitchFamily="65" charset="-120"/>
+              <a:latin typeface="微軟正黑體" panose="020B0604030504040204" pitchFamily="34" charset="-120"/>
+              <a:ea typeface="微軟正黑體" panose="020B0604030504040204" pitchFamily="34" charset="-120"/>
             </a:rPr>
             <a:t>結果</a:t>
           </a:r>
           <a:endParaRPr lang="zh-tw" sz="3600" kern="1200" dirty="0">
-            <a:latin typeface="標楷體" panose="03000509000000000000" pitchFamily="65" charset="-120"/>
-            <a:ea typeface="標楷體" panose="03000509000000000000" pitchFamily="65" charset="-120"/>
+            <a:latin typeface="微軟正黑體" panose="020B0604030504040204" pitchFamily="34" charset="-120"/>
+            <a:ea typeface="微軟正黑體" panose="020B0604030504040204" pitchFamily="34" charset="-120"/>
           </a:endParaRPr>
         </a:p>
       </dsp:txBody>
       <dsp:txXfrm>
-        <a:off x="7077149" y="2417400"/>
-        <a:ext cx="2981250" cy="720000"/>
+        <a:off x="7077149" y="2337662"/>
+        <a:ext cx="2981250" cy="810000"/>
       </dsp:txXfrm>
     </dsp:sp>
   </dsp:spTree>
@@ -8538,14 +8539,14 @@
             <a:pPr algn="ctr" rtl="0"/>
             <a:r>
               <a:rPr lang="zh-TW" altLang="en-US" dirty="0">
-                <a:latin typeface="標楷體" panose="03000509000000000000" pitchFamily="65" charset="-120"/>
-                <a:ea typeface="標楷體" panose="03000509000000000000" pitchFamily="65" charset="-120"/>
+                <a:latin typeface="微軟正黑體" panose="020B0604030504040204" pitchFamily="34" charset="-120"/>
+                <a:ea typeface="微軟正黑體" panose="020B0604030504040204" pitchFamily="34" charset="-120"/>
               </a:rPr>
               <a:t>歌曲在敘事情緒上的自動分類</a:t>
             </a:r>
             <a:endParaRPr lang="zh-tw" dirty="0">
-              <a:latin typeface="標楷體" panose="03000509000000000000" pitchFamily="65" charset="-120"/>
-              <a:ea typeface="標楷體" panose="03000509000000000000" pitchFamily="65" charset="-120"/>
+              <a:latin typeface="微軟正黑體" panose="020B0604030504040204" pitchFamily="34" charset="-120"/>
+              <a:ea typeface="微軟正黑體" panose="020B0604030504040204" pitchFamily="34" charset="-120"/>
             </a:endParaRPr>
           </a:p>
         </p:txBody>
@@ -8566,7 +8567,7 @@
             <p:ph idx="1"/>
             <p:extLst>
               <p:ext uri="{D42A27DB-BD31-4B8C-83A1-F6EECF244321}">
-                <p14:modId xmlns:p14="http://schemas.microsoft.com/office/powerpoint/2010/main" val="2292429698"/>
+                <p14:modId xmlns:p14="http://schemas.microsoft.com/office/powerpoint/2010/main" val="419354808"/>
               </p:ext>
             </p:extLst>
           </p:nvPr>
@@ -8616,6 +8617,389 @@
           <p:cNvPr id="2" name="標題 1">
             <a:extLst>
               <a:ext uri="{FF2B5EF4-FFF2-40B4-BE49-F238E27FC236}">
+                <a16:creationId xmlns:a16="http://schemas.microsoft.com/office/drawing/2014/main" id="{D40DF66A-777F-4972-95C5-B458B38871CC}"/>
+              </a:ext>
+            </a:extLst>
+          </p:cNvPr>
+          <p:cNvSpPr>
+            <a:spLocks noGrp="1"/>
+          </p:cNvSpPr>
+          <p:nvPr>
+            <p:ph type="title"/>
+          </p:nvPr>
+        </p:nvSpPr>
+        <p:spPr/>
+        <p:txBody>
+          <a:bodyPr/>
+          <a:lstStyle/>
+          <a:p>
+            <a:r>
+              <a:rPr lang="zh-TW" altLang="en-US" dirty="0"/>
+              <a:t>資料前處理</a:t>
+            </a:r>
+          </a:p>
+        </p:txBody>
+      </p:sp>
+      <p:sp>
+        <p:nvSpPr>
+          <p:cNvPr id="3" name="內容版面配置區 2">
+            <a:extLst>
+              <a:ext uri="{FF2B5EF4-FFF2-40B4-BE49-F238E27FC236}">
+                <a16:creationId xmlns:a16="http://schemas.microsoft.com/office/drawing/2014/main" id="{262B915F-4100-4338-9175-F3B74951F404}"/>
+              </a:ext>
+            </a:extLst>
+          </p:cNvPr>
+          <p:cNvSpPr>
+            <a:spLocks noGrp="1"/>
+          </p:cNvSpPr>
+          <p:nvPr>
+            <p:ph idx="1"/>
+          </p:nvPr>
+        </p:nvSpPr>
+        <p:spPr/>
+        <p:txBody>
+          <a:bodyPr/>
+          <a:lstStyle/>
+          <a:p>
+            <a:pPr>
+              <a:buFont typeface="Arial" panose="020B0604020202020204" pitchFamily="34" charset="0"/>
+              <a:buChar char="•"/>
+            </a:pPr>
+            <a:r>
+              <a:rPr lang="zh-TW" altLang="en-US" sz="2400" dirty="0">
+                <a:solidFill>
+                  <a:srgbClr val="24292E"/>
+                </a:solidFill>
+                <a:latin typeface="-apple-system"/>
+              </a:rPr>
+              <a:t>資料來源：</a:t>
+            </a:r>
+            <a:endParaRPr lang="en-US" altLang="zh-TW" sz="2400" dirty="0">
+              <a:solidFill>
+                <a:srgbClr val="24292E"/>
+              </a:solidFill>
+              <a:latin typeface="-apple-system"/>
+            </a:endParaRPr>
+          </a:p>
+          <a:p>
+            <a:pPr lvl="1">
+              <a:buFont typeface="Arial" panose="020B0604020202020204" pitchFamily="34" charset="0"/>
+              <a:buChar char="•"/>
+            </a:pPr>
+            <a:r>
+              <a:rPr lang="zh-TW" altLang="en-US" sz="2200" dirty="0">
+                <a:solidFill>
+                  <a:srgbClr val="24292E"/>
+                </a:solidFill>
+                <a:latin typeface="-apple-system"/>
+              </a:rPr>
+              <a:t>魔鏡歌詞網 → 歌名、歌詞、作詞者、作曲者、發行年代、演唱者性別</a:t>
+            </a:r>
+            <a:endParaRPr lang="en-US" altLang="zh-TW" sz="2200" dirty="0">
+              <a:solidFill>
+                <a:srgbClr val="24292E"/>
+              </a:solidFill>
+              <a:latin typeface="-apple-system"/>
+            </a:endParaRPr>
+          </a:p>
+          <a:p>
+            <a:pPr lvl="1">
+              <a:buFont typeface="Arial" panose="020B0604020202020204" pitchFamily="34" charset="0"/>
+              <a:buChar char="•"/>
+            </a:pPr>
+            <a:r>
+              <a:rPr lang="zh-TW" altLang="en-US" sz="2200" dirty="0">
+                <a:solidFill>
+                  <a:srgbClr val="24292E"/>
+                </a:solidFill>
+                <a:latin typeface="-apple-system"/>
+              </a:rPr>
+              <a:t>蝦米音樂網→ 歌名、收藏頻率、情感種類</a:t>
+            </a:r>
+            <a:endParaRPr lang="en-US" altLang="zh-TW" sz="2200" dirty="0">
+              <a:solidFill>
+                <a:srgbClr val="24292E"/>
+              </a:solidFill>
+              <a:latin typeface="-apple-system"/>
+            </a:endParaRPr>
+          </a:p>
+          <a:p>
+            <a:pPr>
+              <a:buFont typeface="Arial" panose="020B0604020202020204" pitchFamily="34" charset="0"/>
+              <a:buChar char="•"/>
+            </a:pPr>
+            <a:r>
+              <a:rPr lang="zh-TW" altLang="en-US" sz="2400" dirty="0">
+                <a:solidFill>
+                  <a:srgbClr val="24292E"/>
+                </a:solidFill>
+                <a:latin typeface="-apple-system"/>
+              </a:rPr>
+              <a:t>資料前處理：</a:t>
+            </a:r>
+            <a:endParaRPr lang="en-US" altLang="zh-TW" sz="2400" dirty="0">
+              <a:solidFill>
+                <a:srgbClr val="24292E"/>
+              </a:solidFill>
+              <a:latin typeface="-apple-system"/>
+            </a:endParaRPr>
+          </a:p>
+          <a:p>
+            <a:pPr lvl="1">
+              <a:buFont typeface="Arial" panose="020B0604020202020204" pitchFamily="34" charset="0"/>
+              <a:buChar char="•"/>
+            </a:pPr>
+            <a:r>
+              <a:rPr lang="zh-TW" altLang="en-US" sz="2200" dirty="0">
+                <a:solidFill>
+                  <a:srgbClr val="24292E"/>
+                </a:solidFill>
+                <a:latin typeface="-apple-system"/>
+              </a:rPr>
+              <a:t>歌名：</a:t>
+            </a:r>
+            <a:r>
+              <a:rPr lang="en-US" altLang="zh-TW" sz="2200" dirty="0">
+                <a:solidFill>
+                  <a:srgbClr val="24292E"/>
+                </a:solidFill>
+                <a:latin typeface="-apple-system"/>
+              </a:rPr>
+              <a:t>Word2Vec 400</a:t>
+            </a:r>
+            <a:r>
+              <a:rPr lang="zh-TW" altLang="en-US" sz="2200" dirty="0">
+                <a:solidFill>
+                  <a:srgbClr val="24292E"/>
+                </a:solidFill>
+                <a:latin typeface="-apple-system"/>
+              </a:rPr>
+              <a:t>維</a:t>
+            </a:r>
+            <a:endParaRPr lang="en-US" altLang="zh-TW" sz="2200" dirty="0">
+              <a:solidFill>
+                <a:srgbClr val="24292E"/>
+              </a:solidFill>
+              <a:latin typeface="-apple-system"/>
+            </a:endParaRPr>
+          </a:p>
+          <a:p>
+            <a:pPr lvl="1">
+              <a:buFont typeface="Arial" panose="020B0604020202020204" pitchFamily="34" charset="0"/>
+              <a:buChar char="•"/>
+            </a:pPr>
+            <a:r>
+              <a:rPr lang="zh-TW" altLang="en-US" sz="2200" dirty="0">
+                <a:solidFill>
+                  <a:srgbClr val="24292E"/>
+                </a:solidFill>
+                <a:latin typeface="-apple-system"/>
+              </a:rPr>
+              <a:t>歌詞：</a:t>
+            </a:r>
+            <a:r>
+              <a:rPr lang="en-US" altLang="zh-TW" sz="2200" dirty="0" err="1">
+                <a:solidFill>
+                  <a:srgbClr val="24292E"/>
+                </a:solidFill>
+                <a:latin typeface="-apple-system"/>
+              </a:rPr>
+              <a:t>Tf</a:t>
+            </a:r>
+            <a:r>
+              <a:rPr lang="en-US" altLang="zh-TW" sz="2200" dirty="0">
+                <a:solidFill>
+                  <a:srgbClr val="24292E"/>
+                </a:solidFill>
+                <a:latin typeface="-apple-system"/>
+              </a:rPr>
+              <a:t> – </a:t>
+            </a:r>
+            <a:r>
+              <a:rPr lang="en-US" altLang="zh-TW" sz="2200" dirty="0" err="1">
+                <a:solidFill>
+                  <a:srgbClr val="24292E"/>
+                </a:solidFill>
+                <a:latin typeface="-apple-system"/>
+              </a:rPr>
+              <a:t>Idf</a:t>
+            </a:r>
+            <a:r>
+              <a:rPr lang="en-US" altLang="zh-TW" sz="2200" dirty="0">
+                <a:solidFill>
+                  <a:srgbClr val="24292E"/>
+                </a:solidFill>
+                <a:latin typeface="-apple-system"/>
+              </a:rPr>
+              <a:t> </a:t>
+            </a:r>
+            <a:r>
+              <a:rPr lang="zh-TW" altLang="en-US" sz="2200" dirty="0">
+                <a:solidFill>
+                  <a:srgbClr val="24292E"/>
+                </a:solidFill>
+                <a:latin typeface="-apple-system"/>
+              </a:rPr>
+              <a:t>→ </a:t>
+            </a:r>
+            <a:r>
+              <a:rPr lang="en-US" altLang="zh-TW" sz="2200" dirty="0">
+                <a:solidFill>
+                  <a:srgbClr val="24292E"/>
+                </a:solidFill>
+                <a:latin typeface="-apple-system"/>
+              </a:rPr>
+              <a:t>SVD</a:t>
+            </a:r>
+            <a:r>
+              <a:rPr lang="zh-TW" altLang="en-US" sz="2200" dirty="0">
+                <a:solidFill>
+                  <a:srgbClr val="24292E"/>
+                </a:solidFill>
+                <a:latin typeface="-apple-system"/>
+              </a:rPr>
+              <a:t>降維至</a:t>
+            </a:r>
+            <a:r>
+              <a:rPr lang="en-US" altLang="zh-TW" sz="2200" dirty="0">
+                <a:solidFill>
+                  <a:srgbClr val="24292E"/>
+                </a:solidFill>
+                <a:latin typeface="-apple-system"/>
+              </a:rPr>
+              <a:t>200</a:t>
+            </a:r>
+            <a:r>
+              <a:rPr lang="zh-TW" altLang="en-US" sz="2200" dirty="0">
+                <a:solidFill>
+                  <a:srgbClr val="24292E"/>
+                </a:solidFill>
+                <a:latin typeface="-apple-system"/>
+              </a:rPr>
+              <a:t>維</a:t>
+            </a:r>
+            <a:endParaRPr lang="en-US" altLang="zh-TW" sz="2200" dirty="0">
+              <a:solidFill>
+                <a:srgbClr val="24292E"/>
+              </a:solidFill>
+              <a:latin typeface="-apple-system"/>
+            </a:endParaRPr>
+          </a:p>
+          <a:p>
+            <a:pPr lvl="1">
+              <a:buFont typeface="Arial" panose="020B0604020202020204" pitchFamily="34" charset="0"/>
+              <a:buChar char="•"/>
+            </a:pPr>
+            <a:r>
+              <a:rPr lang="zh-TW" altLang="en-US" sz="2200" dirty="0">
+                <a:solidFill>
+                  <a:srgbClr val="24292E"/>
+                </a:solidFill>
+                <a:latin typeface="-apple-system"/>
+              </a:rPr>
+              <a:t>性別：</a:t>
+            </a:r>
+            <a:r>
+              <a:rPr lang="en-US" altLang="zh-TW" sz="2200" dirty="0">
+                <a:solidFill>
+                  <a:srgbClr val="24292E"/>
+                </a:solidFill>
+                <a:latin typeface="-apple-system"/>
+              </a:rPr>
+              <a:t>One-Hot-Encoding</a:t>
+            </a:r>
+          </a:p>
+          <a:p>
+            <a:pPr lvl="1">
+              <a:buFont typeface="Arial" panose="020B0604020202020204" pitchFamily="34" charset="0"/>
+              <a:buChar char="•"/>
+            </a:pPr>
+            <a:r>
+              <a:rPr lang="zh-TW" altLang="en-US" sz="2200" dirty="0">
+                <a:solidFill>
+                  <a:srgbClr val="24292E"/>
+                </a:solidFill>
+                <a:latin typeface="-apple-system"/>
+              </a:rPr>
+              <a:t>年代：維基百科音樂史年代</a:t>
+            </a:r>
+            <a:r>
+              <a:rPr lang="en-US" altLang="zh-TW" sz="2200" dirty="0">
+                <a:solidFill>
+                  <a:srgbClr val="24292E"/>
+                </a:solidFill>
+                <a:latin typeface="-apple-system"/>
+              </a:rPr>
+              <a:t>(1~6)</a:t>
+            </a:r>
+          </a:p>
+        </p:txBody>
+      </p:sp>
+      <p:sp>
+        <p:nvSpPr>
+          <p:cNvPr id="4" name="日期版面配置區 3">
+            <a:extLst>
+              <a:ext uri="{FF2B5EF4-FFF2-40B4-BE49-F238E27FC236}">
+                <a16:creationId xmlns:a16="http://schemas.microsoft.com/office/drawing/2014/main" id="{A906F73B-1DBA-4C43-8D2C-1D5F02E8AEC7}"/>
+              </a:ext>
+            </a:extLst>
+          </p:cNvPr>
+          <p:cNvSpPr>
+            <a:spLocks noGrp="1"/>
+          </p:cNvSpPr>
+          <p:nvPr>
+            <p:ph type="dt" sz="half" idx="10"/>
+          </p:nvPr>
+        </p:nvSpPr>
+        <p:spPr/>
+        <p:txBody>
+          <a:bodyPr/>
+          <a:lstStyle/>
+          <a:p>
+            <a:pPr rtl="0"/>
+            <a:fld id="{CE847876-3A2B-49FA-B396-40048599C954}" type="datetime1">
+              <a:rPr lang="zh-TW" altLang="en-US" smtClean="0"/>
+              <a:t>2021/1/11</a:t>
+            </a:fld>
+            <a:endParaRPr lang="en-US"/>
+          </a:p>
+        </p:txBody>
+      </p:sp>
+    </p:spTree>
+    <p:extLst>
+      <p:ext uri="{BB962C8B-B14F-4D97-AF65-F5344CB8AC3E}">
+        <p14:creationId xmlns:p14="http://schemas.microsoft.com/office/powerpoint/2010/main" val="1084278722"/>
+      </p:ext>
+    </p:extLst>
+  </p:cSld>
+  <p:clrMapOvr>
+    <a:masterClrMapping/>
+  </p:clrMapOvr>
+</p:sld>
+</file>
+
+<file path=ppt/slides/slide4.xml><?xml version="1.0" encoding="utf-8"?>
+<p:sld xmlns:a="http://schemas.openxmlformats.org/drawingml/2006/main" xmlns:r="http://schemas.openxmlformats.org/officeDocument/2006/relationships" xmlns:p="http://schemas.openxmlformats.org/presentationml/2006/main">
+  <p:cSld>
+    <p:spTree>
+      <p:nvGrpSpPr>
+        <p:cNvPr id="1" name=""/>
+        <p:cNvGrpSpPr/>
+        <p:nvPr/>
+      </p:nvGrpSpPr>
+      <p:grpSpPr>
+        <a:xfrm>
+          <a:off x="0" y="0"/>
+          <a:ext cx="0" cy="0"/>
+          <a:chOff x="0" y="0"/>
+          <a:chExt cx="0" cy="0"/>
+        </a:xfrm>
+      </p:grpSpPr>
+      <p:sp>
+        <p:nvSpPr>
+          <p:cNvPr id="2" name="標題 1">
+            <a:extLst>
+              <a:ext uri="{FF2B5EF4-FFF2-40B4-BE49-F238E27FC236}">
                 <a16:creationId xmlns:a16="http://schemas.microsoft.com/office/drawing/2014/main" id="{EBFF48DE-E440-400C-92D2-E4439880E208}"/>
               </a:ext>
             </a:extLst>
@@ -8635,12 +9019,15 @@
             <a:pPr algn="ctr"/>
             <a:r>
               <a:rPr lang="zh-TW" altLang="en-US" sz="4000" dirty="0">
-                <a:latin typeface="標楷體" panose="03000509000000000000" pitchFamily="65" charset="-120"/>
-                <a:ea typeface="標楷體" panose="03000509000000000000" pitchFamily="65" charset="-120"/>
+                <a:latin typeface="微軟正黑體" panose="020B0604030504040204" pitchFamily="34" charset="-120"/>
+                <a:ea typeface="微軟正黑體" panose="020B0604030504040204" pitchFamily="34" charset="-120"/>
               </a:rPr>
               <a:t>資料說明</a:t>
             </a:r>
-            <a:endParaRPr lang="zh-TW" altLang="en-US" dirty="0"/>
+            <a:endParaRPr lang="zh-TW" altLang="en-US" dirty="0">
+              <a:latin typeface="微軟正黑體" panose="020B0604030504040204" pitchFamily="34" charset="-120"/>
+              <a:ea typeface="微軟正黑體" panose="020B0604030504040204" pitchFamily="34" charset="-120"/>
+            </a:endParaRPr>
           </a:p>
         </p:txBody>
       </p:sp>
@@ -9225,7 +9612,7 @@
 </p:sld>
 </file>
 
-<file path=ppt/slides/slide4.xml><?xml version="1.0" encoding="utf-8"?>
+<file path=ppt/slides/slide5.xml><?xml version="1.0" encoding="utf-8"?>
 <p:sld xmlns:a="http://schemas.openxmlformats.org/drawingml/2006/main" xmlns:r="http://schemas.openxmlformats.org/officeDocument/2006/relationships" xmlns:p="http://schemas.openxmlformats.org/presentationml/2006/main">
   <p:cSld>
     <p:spTree>
@@ -9266,12 +9653,15 @@
             <a:pPr algn="ctr"/>
             <a:r>
               <a:rPr lang="zh-TW" altLang="en-US" sz="4000" dirty="0">
-                <a:latin typeface="標楷體" panose="03000509000000000000" pitchFamily="65" charset="-120"/>
-                <a:ea typeface="標楷體" panose="03000509000000000000" pitchFamily="65" charset="-120"/>
+                <a:latin typeface="微軟正黑體" panose="020B0604030504040204" pitchFamily="34" charset="-120"/>
+                <a:ea typeface="微軟正黑體" panose="020B0604030504040204" pitchFamily="34" charset="-120"/>
               </a:rPr>
               <a:t>分類目標</a:t>
             </a:r>
-            <a:endParaRPr lang="zh-TW" altLang="en-US" dirty="0"/>
+            <a:endParaRPr lang="zh-TW" altLang="en-US" dirty="0">
+              <a:latin typeface="微軟正黑體" panose="020B0604030504040204" pitchFamily="34" charset="-120"/>
+              <a:ea typeface="微軟正黑體" panose="020B0604030504040204" pitchFamily="34" charset="-120"/>
+            </a:endParaRPr>
           </a:p>
         </p:txBody>
       </p:sp>
@@ -9293,7 +9683,9 @@
         </p:nvSpPr>
         <p:spPr/>
         <p:txBody>
-          <a:bodyPr/>
+          <a:bodyPr>
+            <a:normAutofit/>
+          </a:bodyPr>
           <a:lstStyle/>
           <a:p>
             <a:pPr lvl="1">
@@ -9307,14 +9699,54 @@
               <a:buChar char="l"/>
             </a:pPr>
             <a:r>
-              <a:rPr lang="en-US" altLang="zh-TW" sz="3000" b="0" i="0" dirty="0">
+              <a:rPr lang="en-US" altLang="zh-TW" sz="3000" dirty="0">
                 <a:solidFill>
                   <a:srgbClr val="24292E"/>
                 </a:solidFill>
-                <a:effectLst/>
-                <a:latin typeface="-apple-system"/>
+                <a:latin typeface="微軟正黑體" panose="020B0604030504040204" pitchFamily="34" charset="-120"/>
+                <a:ea typeface="微軟正黑體" panose="020B0604030504040204" pitchFamily="34" charset="-120"/>
               </a:rPr>
               <a:t>Encourage</a:t>
+            </a:r>
+            <a:r>
+              <a:rPr lang="zh-TW" altLang="en-US" sz="3000" dirty="0">
+                <a:solidFill>
+                  <a:srgbClr val="24292E"/>
+                </a:solidFill>
+                <a:latin typeface="微軟正黑體" panose="020B0604030504040204" pitchFamily="34" charset="-120"/>
+                <a:ea typeface="微軟正黑體" panose="020B0604030504040204" pitchFamily="34" charset="-120"/>
+              </a:rPr>
+              <a:t> </a:t>
+            </a:r>
+            <a:r>
+              <a:rPr lang="en-US" altLang="zh-TW" sz="3000" dirty="0">
+                <a:solidFill>
+                  <a:srgbClr val="24292E"/>
+                </a:solidFill>
+                <a:latin typeface="微軟正黑體" panose="020B0604030504040204" pitchFamily="34" charset="-120"/>
+                <a:ea typeface="微軟正黑體" panose="020B0604030504040204" pitchFamily="34" charset="-120"/>
+              </a:rPr>
+              <a:t>(</a:t>
+            </a:r>
+            <a:r>
+              <a:rPr lang="zh-TW" altLang="en-US" sz="3000" dirty="0">
+                <a:solidFill>
+                  <a:srgbClr val="24292E"/>
+                </a:solidFill>
+                <a:latin typeface="微軟正黑體" panose="020B0604030504040204" pitchFamily="34" charset="-120"/>
+                <a:ea typeface="微軟正黑體" panose="020B0604030504040204" pitchFamily="34" charset="-120"/>
+              </a:rPr>
+              <a:t>勵志</a:t>
+            </a:r>
+            <a:r>
+              <a:rPr lang="en-US" altLang="zh-TW" sz="3000" dirty="0">
+                <a:solidFill>
+                  <a:srgbClr val="24292E"/>
+                </a:solidFill>
+                <a:latin typeface="微軟正黑體" panose="020B0604030504040204" pitchFamily="34" charset="-120"/>
+                <a:ea typeface="微軟正黑體" panose="020B0604030504040204" pitchFamily="34" charset="-120"/>
+              </a:rPr>
+              <a:t>)</a:t>
             </a:r>
           </a:p>
           <a:p>
@@ -9322,56 +9754,133 @@
               <a:lnSpc>
                 <a:spcPct val="150000"/>
               </a:lnSpc>
+              <a:spcBef>
+                <a:spcPts val="2400"/>
+              </a:spcBef>
               <a:buFont typeface="Wingdings" panose="05000000000000000000" pitchFamily="2" charset="2"/>
               <a:buChar char="l"/>
             </a:pPr>
             <a:r>
-              <a:rPr lang="en-US" altLang="zh-TW" sz="3000" b="0" i="0" dirty="0">
+              <a:rPr lang="en-US" altLang="zh-TW" sz="3000" dirty="0">
                 <a:solidFill>
                   <a:srgbClr val="24292E"/>
                 </a:solidFill>
-                <a:effectLst/>
-                <a:latin typeface="-apple-system"/>
-              </a:rPr>
-              <a:t>Love</a:t>
-            </a:r>
-            <a:endParaRPr lang="en-US" altLang="zh-TW" sz="3000" dirty="0">
-              <a:solidFill>
-                <a:srgbClr val="24292E"/>
-              </a:solidFill>
-              <a:latin typeface="-apple-system"/>
-            </a:endParaRPr>
+                <a:latin typeface="微軟正黑體" panose="020B0604030504040204" pitchFamily="34" charset="-120"/>
+                <a:ea typeface="微軟正黑體" panose="020B0604030504040204" pitchFamily="34" charset="-120"/>
+              </a:rPr>
+              <a:t>Family</a:t>
+            </a:r>
+            <a:r>
+              <a:rPr lang="zh-TW" altLang="en-US" sz="3000" dirty="0">
+                <a:solidFill>
+                  <a:srgbClr val="24292E"/>
+                </a:solidFill>
+                <a:latin typeface="微軟正黑體" panose="020B0604030504040204" pitchFamily="34" charset="-120"/>
+                <a:ea typeface="微軟正黑體" panose="020B0604030504040204" pitchFamily="34" charset="-120"/>
+              </a:rPr>
+              <a:t> </a:t>
+            </a:r>
+            <a:r>
+              <a:rPr lang="en-US" altLang="zh-TW" sz="3000" dirty="0">
+                <a:solidFill>
+                  <a:srgbClr val="24292E"/>
+                </a:solidFill>
+                <a:latin typeface="微軟正黑體" panose="020B0604030504040204" pitchFamily="34" charset="-120"/>
+                <a:ea typeface="微軟正黑體" panose="020B0604030504040204" pitchFamily="34" charset="-120"/>
+              </a:rPr>
+              <a:t>(</a:t>
+            </a:r>
+            <a:r>
+              <a:rPr lang="zh-TW" altLang="en-US" sz="3000" dirty="0">
+                <a:solidFill>
+                  <a:srgbClr val="24292E"/>
+                </a:solidFill>
+                <a:latin typeface="微軟正黑體" panose="020B0604030504040204" pitchFamily="34" charset="-120"/>
+                <a:ea typeface="微軟正黑體" panose="020B0604030504040204" pitchFamily="34" charset="-120"/>
+              </a:rPr>
+              <a:t>親情</a:t>
+            </a:r>
+            <a:r>
+              <a:rPr lang="en-US" altLang="zh-TW" sz="3000" dirty="0">
+                <a:solidFill>
+                  <a:srgbClr val="24292E"/>
+                </a:solidFill>
+                <a:latin typeface="微軟正黑體" panose="020B0604030504040204" pitchFamily="34" charset="-120"/>
+                <a:ea typeface="微軟正黑體" panose="020B0604030504040204" pitchFamily="34" charset="-120"/>
+              </a:rPr>
+              <a:t>)</a:t>
+            </a:r>
           </a:p>
           <a:p>
             <a:pPr lvl="1">
               <a:lnSpc>
                 <a:spcPct val="150000"/>
               </a:lnSpc>
+              <a:spcBef>
+                <a:spcPts val="2400"/>
+              </a:spcBef>
               <a:buFont typeface="Wingdings" panose="05000000000000000000" pitchFamily="2" charset="2"/>
               <a:buChar char="l"/>
             </a:pPr>
             <a:r>
-              <a:rPr lang="en-US" altLang="zh-TW" sz="3000" b="0" i="0" dirty="0">
+              <a:rPr lang="en-US" altLang="zh-TW" sz="3000" dirty="0">
                 <a:solidFill>
                   <a:srgbClr val="24292E"/>
                 </a:solidFill>
-                <a:effectLst/>
-                <a:latin typeface="-apple-system"/>
+                <a:latin typeface="微軟正黑體" panose="020B0604030504040204" pitchFamily="34" charset="-120"/>
+                <a:ea typeface="微軟正黑體" panose="020B0604030504040204" pitchFamily="34" charset="-120"/>
               </a:rPr>
               <a:t>Friend</a:t>
             </a:r>
-            <a:endParaRPr lang="en-US" altLang="zh-TW" sz="3000" dirty="0">
-              <a:solidFill>
-                <a:srgbClr val="24292E"/>
-              </a:solidFill>
-              <a:latin typeface="-apple-system"/>
-            </a:endParaRPr>
+            <a:r>
+              <a:rPr lang="zh-TW" altLang="en-US" sz="3000" dirty="0">
+                <a:solidFill>
+                  <a:srgbClr val="24292E"/>
+                </a:solidFill>
+                <a:latin typeface="微軟正黑體" panose="020B0604030504040204" pitchFamily="34" charset="-120"/>
+                <a:ea typeface="微軟正黑體" panose="020B0604030504040204" pitchFamily="34" charset="-120"/>
+              </a:rPr>
+              <a:t> </a:t>
+            </a:r>
+            <a:r>
+              <a:rPr lang="en-US" altLang="zh-TW" sz="3000" dirty="0">
+                <a:solidFill>
+                  <a:srgbClr val="24292E"/>
+                </a:solidFill>
+                <a:latin typeface="微軟正黑體" panose="020B0604030504040204" pitchFamily="34" charset="-120"/>
+                <a:ea typeface="微軟正黑體" panose="020B0604030504040204" pitchFamily="34" charset="-120"/>
+              </a:rPr>
+              <a:t>(</a:t>
+            </a:r>
+            <a:r>
+              <a:rPr lang="zh-TW" altLang="en-US" sz="3000" dirty="0">
+                <a:solidFill>
+                  <a:srgbClr val="24292E"/>
+                </a:solidFill>
+                <a:latin typeface="微軟正黑體" panose="020B0604030504040204" pitchFamily="34" charset="-120"/>
+                <a:ea typeface="微軟正黑體" panose="020B0604030504040204" pitchFamily="34" charset="-120"/>
+              </a:rPr>
+              <a:t>友情</a:t>
+            </a:r>
+            <a:r>
+              <a:rPr lang="en-US" altLang="zh-TW" sz="3000" dirty="0">
+                <a:solidFill>
+                  <a:srgbClr val="24292E"/>
+                </a:solidFill>
+                <a:latin typeface="微軟正黑體" panose="020B0604030504040204" pitchFamily="34" charset="-120"/>
+                <a:ea typeface="微軟正黑體" panose="020B0604030504040204" pitchFamily="34" charset="-120"/>
+              </a:rPr>
+              <a:t>)</a:t>
+            </a:r>
           </a:p>
           <a:p>
             <a:pPr lvl="1">
               <a:lnSpc>
                 <a:spcPct val="150000"/>
               </a:lnSpc>
+              <a:spcBef>
+                <a:spcPts val="2400"/>
+              </a:spcBef>
               <a:buFont typeface="Wingdings" panose="05000000000000000000" pitchFamily="2" charset="2"/>
               <a:buChar char="l"/>
             </a:pPr>
@@ -9380,23 +9889,51 @@
                 <a:solidFill>
                   <a:srgbClr val="24292E"/>
                 </a:solidFill>
-                <a:latin typeface="-apple-system"/>
-              </a:rPr>
-              <a:t>F</a:t>
-            </a:r>
-            <a:r>
-              <a:rPr lang="en-US" altLang="zh-TW" sz="3000" b="0" i="0" dirty="0">
+                <a:latin typeface="微軟正黑體" panose="020B0604030504040204" pitchFamily="34" charset="-120"/>
+                <a:ea typeface="微軟正黑體" panose="020B0604030504040204" pitchFamily="34" charset="-120"/>
+              </a:rPr>
+              <a:t>Love</a:t>
+            </a:r>
+            <a:r>
+              <a:rPr lang="zh-TW" altLang="en-US" sz="3000" dirty="0">
                 <a:solidFill>
                   <a:srgbClr val="24292E"/>
                 </a:solidFill>
-                <a:effectLst/>
-                <a:latin typeface="-apple-system"/>
-              </a:rPr>
-              <a:t>amily</a:t>
-            </a:r>
-          </a:p>
-          <a:p>
-            <a:endParaRPr lang="zh-TW" altLang="en-US" dirty="0"/>
+                <a:latin typeface="微軟正黑體" panose="020B0604030504040204" pitchFamily="34" charset="-120"/>
+                <a:ea typeface="微軟正黑體" panose="020B0604030504040204" pitchFamily="34" charset="-120"/>
+              </a:rPr>
+              <a:t> </a:t>
+            </a:r>
+            <a:r>
+              <a:rPr lang="en-US" altLang="zh-TW" sz="3000" dirty="0">
+                <a:solidFill>
+                  <a:srgbClr val="24292E"/>
+                </a:solidFill>
+                <a:latin typeface="微軟正黑體" panose="020B0604030504040204" pitchFamily="34" charset="-120"/>
+                <a:ea typeface="微軟正黑體" panose="020B0604030504040204" pitchFamily="34" charset="-120"/>
+              </a:rPr>
+              <a:t>(</a:t>
+            </a:r>
+            <a:r>
+              <a:rPr lang="zh-TW" altLang="en-US" sz="3000" dirty="0">
+                <a:solidFill>
+                  <a:srgbClr val="24292E"/>
+                </a:solidFill>
+                <a:latin typeface="微軟正黑體" panose="020B0604030504040204" pitchFamily="34" charset="-120"/>
+                <a:ea typeface="微軟正黑體" panose="020B0604030504040204" pitchFamily="34" charset="-120"/>
+              </a:rPr>
+              <a:t>愛情</a:t>
+            </a:r>
+            <a:r>
+              <a:rPr lang="en-US" altLang="zh-TW" sz="3000" dirty="0">
+                <a:solidFill>
+                  <a:srgbClr val="24292E"/>
+                </a:solidFill>
+                <a:latin typeface="微軟正黑體" panose="020B0604030504040204" pitchFamily="34" charset="-120"/>
+                <a:ea typeface="微軟正黑體" panose="020B0604030504040204" pitchFamily="34" charset="-120"/>
+              </a:rPr>
+              <a:t>)</a:t>
+            </a:r>
           </a:p>
         </p:txBody>
       </p:sp>
@@ -9423,10 +9960,16 @@
           <a:p>
             <a:pPr rtl="0"/>
             <a:fld id="{CE847876-3A2B-49FA-B396-40048599C954}" type="datetime1">
-              <a:rPr lang="zh-TW" altLang="en-US" smtClean="0"/>
+              <a:rPr lang="zh-TW" altLang="en-US" smtClean="0">
+                <a:latin typeface="微軟正黑體" panose="020B0604030504040204" pitchFamily="34" charset="-120"/>
+                <a:ea typeface="微軟正黑體" panose="020B0604030504040204" pitchFamily="34" charset="-120"/>
+              </a:rPr>
               <a:t>2021/1/11</a:t>
             </a:fld>
-            <a:endParaRPr lang="en-US"/>
+            <a:endParaRPr lang="en-US">
+              <a:latin typeface="微軟正黑體" panose="020B0604030504040204" pitchFamily="34" charset="-120"/>
+              <a:ea typeface="微軟正黑體" panose="020B0604030504040204" pitchFamily="34" charset="-120"/>
+            </a:endParaRPr>
           </a:p>
         </p:txBody>
       </p:sp>
@@ -9443,7 +9986,7 @@
 </p:sld>
 </file>
 
-<file path=ppt/slides/slide5.xml><?xml version="1.0" encoding="utf-8"?>
+<file path=ppt/slides/slide6.xml><?xml version="1.0" encoding="utf-8"?>
 <p:sld xmlns:a="http://schemas.openxmlformats.org/drawingml/2006/main" xmlns:r="http://schemas.openxmlformats.org/officeDocument/2006/relationships" xmlns:p="http://schemas.openxmlformats.org/presentationml/2006/main">
   <p:cSld>
     <p:spTree>
@@ -9484,8 +10027,8 @@
             <a:pPr algn="ctr"/>
             <a:r>
               <a:rPr lang="zh-TW" altLang="en-US" dirty="0">
-                <a:latin typeface="標楷體" panose="03000509000000000000" pitchFamily="65" charset="-120"/>
-                <a:ea typeface="標楷體" panose="03000509000000000000" pitchFamily="65" charset="-120"/>
+                <a:latin typeface="微軟正黑體" panose="020B0604030504040204" pitchFamily="34" charset="-120"/>
+                <a:ea typeface="微軟正黑體" panose="020B0604030504040204" pitchFamily="34" charset="-120"/>
               </a:rPr>
               <a:t>模型</a:t>
             </a:r>
@@ -9520,25 +10063,40 @@
               <a:buChar char="l"/>
             </a:pPr>
             <a:r>
-              <a:rPr lang="en-US" altLang="zh-TW" sz="3000" dirty="0"/>
+              <a:rPr lang="en-US" altLang="zh-TW" sz="3000" dirty="0">
+                <a:latin typeface="微軟正黑體" panose="020B0604030504040204" pitchFamily="34" charset="-120"/>
+                <a:ea typeface="微軟正黑體" panose="020B0604030504040204" pitchFamily="34" charset="-120"/>
+              </a:rPr>
               <a:t>Null Model : </a:t>
             </a:r>
             <a:r>
-              <a:rPr lang="zh-TW" altLang="en-US" sz="3000" dirty="0"/>
+              <a:rPr lang="zh-TW" altLang="en-US" sz="3000" dirty="0">
+                <a:latin typeface="微軟正黑體" panose="020B0604030504040204" pitchFamily="34" charset="-120"/>
+                <a:ea typeface="微軟正黑體" panose="020B0604030504040204" pitchFamily="34" charset="-120"/>
+              </a:rPr>
               <a:t>全猜一樣</a:t>
             </a:r>
-            <a:endParaRPr lang="en-US" altLang="zh-TW" sz="3000" dirty="0"/>
+            <a:endParaRPr lang="en-US" altLang="zh-TW" sz="3000" dirty="0">
+              <a:latin typeface="微軟正黑體" panose="020B0604030504040204" pitchFamily="34" charset="-120"/>
+              <a:ea typeface="微軟正黑體" panose="020B0604030504040204" pitchFamily="34" charset="-120"/>
+            </a:endParaRPr>
           </a:p>
           <a:p>
             <a:pPr marL="274320" lvl="1" indent="0">
               <a:buNone/>
             </a:pPr>
             <a:r>
-              <a:rPr lang="en-US" altLang="zh-TW" sz="3000" dirty="0"/>
+              <a:rPr lang="en-US" altLang="zh-TW" sz="3000" dirty="0">
+                <a:latin typeface="微軟正黑體" panose="020B0604030504040204" pitchFamily="34" charset="-120"/>
+                <a:ea typeface="微軟正黑體" panose="020B0604030504040204" pitchFamily="34" charset="-120"/>
+              </a:rPr>
               <a:t>	</a:t>
             </a:r>
             <a:r>
-              <a:rPr lang="en-US" altLang="zh-TW" sz="2400" dirty="0"/>
+              <a:rPr lang="en-US" altLang="zh-TW" sz="2400" dirty="0">
+                <a:latin typeface="微軟正黑體" panose="020B0604030504040204" pitchFamily="34" charset="-120"/>
+                <a:ea typeface="微軟正黑體" panose="020B0604030504040204" pitchFamily="34" charset="-120"/>
+              </a:rPr>
               <a:t>Encourage:0.418</a:t>
             </a:r>
           </a:p>
@@ -9546,7 +10104,10 @@
             <a:pPr marL="274320" lvl="1" indent="0">
               <a:buNone/>
             </a:pPr>
-            <a:endParaRPr lang="en-US" altLang="zh-TW" sz="2400" dirty="0"/>
+            <a:endParaRPr lang="en-US" altLang="zh-TW" sz="2400" dirty="0">
+              <a:latin typeface="微軟正黑體" panose="020B0604030504040204" pitchFamily="34" charset="-120"/>
+              <a:ea typeface="微軟正黑體" panose="020B0604030504040204" pitchFamily="34" charset="-120"/>
+            </a:endParaRPr>
           </a:p>
           <a:p>
             <a:pPr>
@@ -9554,7 +10115,10 @@
               <a:buChar char="l"/>
             </a:pPr>
             <a:r>
-              <a:rPr lang="en-US" altLang="zh-TW" sz="2600" dirty="0"/>
+              <a:rPr lang="en-US" altLang="zh-TW" sz="2600" dirty="0">
+                <a:latin typeface="微軟正黑體" panose="020B0604030504040204" pitchFamily="34" charset="-120"/>
+                <a:ea typeface="微軟正黑體" panose="020B0604030504040204" pitchFamily="34" charset="-120"/>
+              </a:rPr>
               <a:t>SVM</a:t>
             </a:r>
           </a:p>
@@ -9564,7 +10128,10 @@
               <a:buChar char="l"/>
             </a:pPr>
             <a:r>
-              <a:rPr lang="en-US" altLang="zh-TW" sz="2600" dirty="0"/>
+              <a:rPr lang="en-US" altLang="zh-TW" sz="2600" dirty="0">
+                <a:latin typeface="微軟正黑體" panose="020B0604030504040204" pitchFamily="34" charset="-120"/>
+                <a:ea typeface="微軟正黑體" panose="020B0604030504040204" pitchFamily="34" charset="-120"/>
+              </a:rPr>
               <a:t>KNN</a:t>
             </a:r>
           </a:p>
@@ -9593,10 +10160,16 @@
           <a:p>
             <a:pPr rtl="0"/>
             <a:fld id="{CE847876-3A2B-49FA-B396-40048599C954}" type="datetime1">
-              <a:rPr lang="zh-TW" altLang="en-US" smtClean="0"/>
+              <a:rPr lang="zh-TW" altLang="en-US" smtClean="0">
+                <a:latin typeface="微軟正黑體" panose="020B0604030504040204" pitchFamily="34" charset="-120"/>
+                <a:ea typeface="微軟正黑體" panose="020B0604030504040204" pitchFamily="34" charset="-120"/>
+              </a:rPr>
               <a:t>2021/1/11</a:t>
             </a:fld>
-            <a:endParaRPr lang="en-US"/>
+            <a:endParaRPr lang="en-US">
+              <a:latin typeface="微軟正黑體" panose="020B0604030504040204" pitchFamily="34" charset="-120"/>
+              <a:ea typeface="微軟正黑體" panose="020B0604030504040204" pitchFamily="34" charset="-120"/>
+            </a:endParaRPr>
           </a:p>
         </p:txBody>
       </p:sp>
@@ -10585,7 +11158,7 @@
         <p:spPr>
           <a:xfrm>
             <a:off x="5999698" y="2569121"/>
-            <a:ext cx="681317" cy="369332"/>
+            <a:ext cx="978151" cy="369332"/>
           </a:xfrm>
           <a:prstGeom prst="rect">
             <a:avLst/>
@@ -10599,10 +11172,16 @@
           <a:lstStyle/>
           <a:p>
             <a:r>
-              <a:rPr lang="en-US" altLang="zh-TW" dirty="0"/>
+              <a:rPr lang="en-US" altLang="zh-TW" dirty="0">
+                <a:latin typeface="微軟正黑體" panose="020B0604030504040204" pitchFamily="34" charset="-120"/>
+                <a:ea typeface="微軟正黑體" panose="020B0604030504040204" pitchFamily="34" charset="-120"/>
+              </a:rPr>
               <a:t>SVM</a:t>
             </a:r>
-            <a:endParaRPr lang="zh-TW" altLang="en-US" dirty="0"/>
+            <a:endParaRPr lang="zh-TW" altLang="en-US" dirty="0">
+              <a:latin typeface="微軟正黑體" panose="020B0604030504040204" pitchFamily="34" charset="-120"/>
+              <a:ea typeface="微軟正黑體" panose="020B0604030504040204" pitchFamily="34" charset="-120"/>
+            </a:endParaRPr>
           </a:p>
         </p:txBody>
       </p:sp>
@@ -10621,7 +11200,7 @@
         <p:spPr>
           <a:xfrm>
             <a:off x="9379391" y="2569121"/>
-            <a:ext cx="681317" cy="369332"/>
+            <a:ext cx="1060749" cy="369332"/>
           </a:xfrm>
           <a:prstGeom prst="rect">
             <a:avLst/>
@@ -10635,10 +11214,16 @@
           <a:lstStyle/>
           <a:p>
             <a:r>
-              <a:rPr lang="en-US" altLang="zh-TW" dirty="0"/>
+              <a:rPr lang="en-US" altLang="zh-TW" dirty="0">
+                <a:latin typeface="微軟正黑體" panose="020B0604030504040204" pitchFamily="34" charset="-120"/>
+                <a:ea typeface="微軟正黑體" panose="020B0604030504040204" pitchFamily="34" charset="-120"/>
+              </a:rPr>
               <a:t>KNN</a:t>
             </a:r>
-            <a:endParaRPr lang="zh-TW" altLang="en-US" dirty="0"/>
+            <a:endParaRPr lang="zh-TW" altLang="en-US" dirty="0">
+              <a:latin typeface="微軟正黑體" panose="020B0604030504040204" pitchFamily="34" charset="-120"/>
+              <a:ea typeface="微軟正黑體" panose="020B0604030504040204" pitchFamily="34" charset="-120"/>
+            </a:endParaRPr>
           </a:p>
         </p:txBody>
       </p:sp>
@@ -10655,7 +11240,7 @@
 </p:sld>
 </file>
 
-<file path=ppt/slides/slide6.xml><?xml version="1.0" encoding="utf-8"?>
+<file path=ppt/slides/slide7.xml><?xml version="1.0" encoding="utf-8"?>
 <p:sld xmlns:a="http://schemas.openxmlformats.org/drawingml/2006/main" xmlns:r="http://schemas.openxmlformats.org/officeDocument/2006/relationships" xmlns:p="http://schemas.openxmlformats.org/presentationml/2006/main">
   <p:cSld>
     <p:spTree>
@@ -10696,8 +11281,8 @@
             <a:pPr algn="ctr"/>
             <a:r>
               <a:rPr lang="zh-TW" altLang="en-US" dirty="0">
-                <a:latin typeface="標楷體" panose="03000509000000000000" pitchFamily="65" charset="-120"/>
-                <a:ea typeface="標楷體" panose="03000509000000000000" pitchFamily="65" charset="-120"/>
+                <a:latin typeface="微軟正黑體" panose="020B0604030504040204" pitchFamily="34" charset="-120"/>
+                <a:ea typeface="微軟正黑體" panose="020B0604030504040204" pitchFamily="34" charset="-120"/>
               </a:rPr>
               <a:t>總結</a:t>
             </a:r>
@@ -10737,7 +11322,8 @@
                   <a:srgbClr val="24292E"/>
                 </a:solidFill>
                 <a:effectLst/>
-                <a:latin typeface="-apple-system"/>
+                <a:latin typeface="微軟正黑體" panose="020B0604030504040204" pitchFamily="34" charset="-120"/>
+                <a:ea typeface="微軟正黑體" panose="020B0604030504040204" pitchFamily="34" charset="-120"/>
               </a:rPr>
               <a:t>資料前處理挑戰：</a:t>
             </a:r>
@@ -10753,7 +11339,8 @@
                   <a:srgbClr val="24292E"/>
                 </a:solidFill>
                 <a:effectLst/>
-                <a:latin typeface="-apple-system"/>
+                <a:latin typeface="微軟正黑體" panose="020B0604030504040204" pitchFamily="34" charset="-120"/>
+                <a:ea typeface="微軟正黑體" panose="020B0604030504040204" pitchFamily="34" charset="-120"/>
               </a:rPr>
               <a:t>結巴斷詞 </a:t>
             </a:r>
@@ -10763,7 +11350,8 @@
                   <a:srgbClr val="24292E"/>
                 </a:solidFill>
                 <a:effectLst/>
-                <a:latin typeface="-apple-system"/>
+                <a:latin typeface="微軟正黑體" panose="020B0604030504040204" pitchFamily="34" charset="-120"/>
+                <a:ea typeface="微軟正黑體" panose="020B0604030504040204" pitchFamily="34" charset="-120"/>
               </a:rPr>
               <a:t>V.S. CKIP</a:t>
             </a:r>
@@ -10773,7 +11361,8 @@
                   <a:srgbClr val="24292E"/>
                 </a:solidFill>
                 <a:effectLst/>
-                <a:latin typeface="-apple-system"/>
+                <a:latin typeface="微軟正黑體" panose="020B0604030504040204" pitchFamily="34" charset="-120"/>
+                <a:ea typeface="微軟正黑體" panose="020B0604030504040204" pitchFamily="34" charset="-120"/>
               </a:rPr>
               <a:t>斷詞 → </a:t>
             </a:r>
@@ -10783,7 +11372,8 @@
                   <a:srgbClr val="24292E"/>
                 </a:solidFill>
                 <a:effectLst/>
-                <a:latin typeface="-apple-system"/>
+                <a:latin typeface="微軟正黑體" panose="020B0604030504040204" pitchFamily="34" charset="-120"/>
+                <a:ea typeface="微軟正黑體" panose="020B0604030504040204" pitchFamily="34" charset="-120"/>
               </a:rPr>
               <a:t>CKIP</a:t>
             </a:r>
@@ -10793,7 +11383,8 @@
                   <a:srgbClr val="24292E"/>
                 </a:solidFill>
                 <a:effectLst/>
-                <a:latin typeface="-apple-system"/>
+                <a:latin typeface="微軟正黑體" panose="020B0604030504040204" pitchFamily="34" charset="-120"/>
+                <a:ea typeface="微軟正黑體" panose="020B0604030504040204" pitchFamily="34" charset="-120"/>
               </a:rPr>
               <a:t>斷詞效果較佳</a:t>
             </a:r>
@@ -10809,7 +11400,8 @@
                   <a:srgbClr val="24292E"/>
                 </a:solidFill>
                 <a:effectLst/>
-                <a:latin typeface="-apple-system"/>
+                <a:latin typeface="微軟正黑體" panose="020B0604030504040204" pitchFamily="34" charset="-120"/>
+                <a:ea typeface="微軟正黑體" panose="020B0604030504040204" pitchFamily="34" charset="-120"/>
               </a:rPr>
               <a:t>Word2Vec V.S. </a:t>
             </a:r>
@@ -10819,7 +11411,8 @@
                   <a:srgbClr val="24292E"/>
                 </a:solidFill>
                 <a:effectLst/>
-                <a:latin typeface="-apple-system"/>
+                <a:latin typeface="微軟正黑體" panose="020B0604030504040204" pitchFamily="34" charset="-120"/>
+                <a:ea typeface="微軟正黑體" panose="020B0604030504040204" pitchFamily="34" charset="-120"/>
               </a:rPr>
               <a:t>Tf-Idf</a:t>
             </a:r>
@@ -10829,7 +11422,8 @@
                   <a:srgbClr val="24292E"/>
                 </a:solidFill>
                 <a:effectLst/>
-                <a:latin typeface="-apple-system"/>
+                <a:latin typeface="微軟正黑體" panose="020B0604030504040204" pitchFamily="34" charset="-120"/>
+                <a:ea typeface="微軟正黑體" panose="020B0604030504040204" pitchFamily="34" charset="-120"/>
               </a:rPr>
               <a:t> → </a:t>
             </a:r>
@@ -10839,7 +11433,8 @@
                   <a:srgbClr val="24292E"/>
                 </a:solidFill>
                 <a:effectLst/>
-                <a:latin typeface="-apple-system"/>
+                <a:latin typeface="微軟正黑體" panose="020B0604030504040204" pitchFamily="34" charset="-120"/>
+                <a:ea typeface="微軟正黑體" panose="020B0604030504040204" pitchFamily="34" charset="-120"/>
               </a:rPr>
               <a:t>歌名選用</a:t>
             </a:r>
@@ -10849,7 +11444,8 @@
                   <a:srgbClr val="24292E"/>
                 </a:solidFill>
                 <a:effectLst/>
-                <a:latin typeface="-apple-system"/>
+                <a:latin typeface="微軟正黑體" panose="020B0604030504040204" pitchFamily="34" charset="-120"/>
+                <a:ea typeface="微軟正黑體" panose="020B0604030504040204" pitchFamily="34" charset="-120"/>
               </a:rPr>
               <a:t>Word2Vec</a:t>
             </a:r>
@@ -10859,7 +11455,8 @@
                   <a:srgbClr val="24292E"/>
                 </a:solidFill>
                 <a:effectLst/>
-                <a:latin typeface="-apple-system"/>
+                <a:latin typeface="微軟正黑體" panose="020B0604030504040204" pitchFamily="34" charset="-120"/>
+                <a:ea typeface="微軟正黑體" panose="020B0604030504040204" pitchFamily="34" charset="-120"/>
               </a:rPr>
               <a:t>，歌詞選用</a:t>
             </a:r>
@@ -10869,7 +11466,8 @@
                   <a:srgbClr val="24292E"/>
                 </a:solidFill>
                 <a:effectLst/>
-                <a:latin typeface="-apple-system"/>
+                <a:latin typeface="微軟正黑體" panose="020B0604030504040204" pitchFamily="34" charset="-120"/>
+                <a:ea typeface="微軟正黑體" panose="020B0604030504040204" pitchFamily="34" charset="-120"/>
               </a:rPr>
               <a:t>Tf-Idf</a:t>
             </a:r>
@@ -10878,7 +11476,8 @@
                 <a:srgbClr val="24292E"/>
               </a:solidFill>
               <a:effectLst/>
-              <a:latin typeface="-apple-system"/>
+              <a:latin typeface="微軟正黑體" panose="020B0604030504040204" pitchFamily="34" charset="-120"/>
+              <a:ea typeface="微軟正黑體" panose="020B0604030504040204" pitchFamily="34" charset="-120"/>
             </a:endParaRPr>
           </a:p>
           <a:p>
@@ -10892,7 +11491,8 @@
                   <a:srgbClr val="24292E"/>
                 </a:solidFill>
                 <a:effectLst/>
-                <a:latin typeface="-apple-system"/>
+                <a:latin typeface="微軟正黑體" panose="020B0604030504040204" pitchFamily="34" charset="-120"/>
+                <a:ea typeface="微軟正黑體" panose="020B0604030504040204" pitchFamily="34" charset="-120"/>
               </a:rPr>
               <a:t>是否有很明顯的進步</a:t>
             </a:r>
@@ -10902,7 +11502,8 @@
                   <a:srgbClr val="24292E"/>
                 </a:solidFill>
                 <a:effectLst/>
-                <a:latin typeface="-apple-system"/>
+                <a:latin typeface="微軟正黑體" panose="020B0604030504040204" pitchFamily="34" charset="-120"/>
+                <a:ea typeface="微軟正黑體" panose="020B0604030504040204" pitchFamily="34" charset="-120"/>
               </a:rPr>
               <a:t>?</a:t>
             </a:r>
@@ -10918,7 +11519,8 @@
                   <a:srgbClr val="24292E"/>
                 </a:solidFill>
                 <a:effectLst/>
-                <a:latin typeface="-apple-system"/>
+                <a:latin typeface="微軟正黑體" panose="020B0604030504040204" pitchFamily="34" charset="-120"/>
+                <a:ea typeface="微軟正黑體" panose="020B0604030504040204" pitchFamily="34" charset="-120"/>
               </a:rPr>
               <a:t>沒到非常明顯，從</a:t>
             </a:r>
@@ -10928,7 +11530,8 @@
                   <a:srgbClr val="24292E"/>
                 </a:solidFill>
                 <a:effectLst/>
-                <a:latin typeface="-apple-system"/>
+                <a:latin typeface="微軟正黑體" panose="020B0604030504040204" pitchFamily="34" charset="-120"/>
+                <a:ea typeface="微軟正黑體" panose="020B0604030504040204" pitchFamily="34" charset="-120"/>
               </a:rPr>
               <a:t>0.418</a:t>
             </a:r>
@@ -10938,7 +11541,8 @@
                   <a:srgbClr val="24292E"/>
                 </a:solidFill>
                 <a:effectLst/>
-                <a:latin typeface="-apple-system"/>
+                <a:latin typeface="微軟正黑體" panose="020B0604030504040204" pitchFamily="34" charset="-120"/>
+                <a:ea typeface="微軟正黑體" panose="020B0604030504040204" pitchFamily="34" charset="-120"/>
               </a:rPr>
               <a:t>到</a:t>
             </a:r>
@@ -10948,7 +11552,8 @@
                   <a:srgbClr val="24292E"/>
                 </a:solidFill>
                 <a:effectLst/>
-                <a:latin typeface="-apple-system"/>
+                <a:latin typeface="微軟正黑體" panose="020B0604030504040204" pitchFamily="34" charset="-120"/>
+                <a:ea typeface="微軟正黑體" panose="020B0604030504040204" pitchFamily="34" charset="-120"/>
               </a:rPr>
               <a:t>0.54</a:t>
             </a:r>
@@ -10958,7 +11563,8 @@
                   <a:srgbClr val="24292E"/>
                 </a:solidFill>
                 <a:effectLst/>
-                <a:latin typeface="-apple-system"/>
+                <a:latin typeface="微軟正黑體" panose="020B0604030504040204" pitchFamily="34" charset="-120"/>
+                <a:ea typeface="微軟正黑體" panose="020B0604030504040204" pitchFamily="34" charset="-120"/>
               </a:rPr>
               <a:t>左右</a:t>
             </a:r>
@@ -10974,7 +11580,8 @@
                   <a:srgbClr val="24292E"/>
                 </a:solidFill>
                 <a:effectLst/>
-                <a:latin typeface="-apple-system"/>
+                <a:latin typeface="微軟正黑體" panose="020B0604030504040204" pitchFamily="34" charset="-120"/>
+                <a:ea typeface="微軟正黑體" panose="020B0604030504040204" pitchFamily="34" charset="-120"/>
               </a:rPr>
               <a:t>最具挑戰的部分</a:t>
             </a:r>
@@ -10984,7 +11591,8 @@
                   <a:srgbClr val="24292E"/>
                 </a:solidFill>
                 <a:effectLst/>
-                <a:latin typeface="-apple-system"/>
+                <a:latin typeface="微軟正黑體" panose="020B0604030504040204" pitchFamily="34" charset="-120"/>
+                <a:ea typeface="微軟正黑體" panose="020B0604030504040204" pitchFamily="34" charset="-120"/>
               </a:rPr>
               <a:t>?</a:t>
             </a:r>
@@ -11000,7 +11608,8 @@
                   <a:srgbClr val="24292E"/>
                 </a:solidFill>
                 <a:effectLst/>
-                <a:latin typeface="-apple-system"/>
+                <a:latin typeface="微軟正黑體" panose="020B0604030504040204" pitchFamily="34" charset="-120"/>
+                <a:ea typeface="微軟正黑體" panose="020B0604030504040204" pitchFamily="34" charset="-120"/>
               </a:rPr>
               <a:t>資料本身並非非常平均</a:t>
             </a:r>
@@ -11016,7 +11625,8 @@
                   <a:srgbClr val="24292E"/>
                 </a:solidFill>
                 <a:effectLst/>
-                <a:latin typeface="-apple-system"/>
+                <a:latin typeface="微軟正黑體" panose="020B0604030504040204" pitchFamily="34" charset="-120"/>
+                <a:ea typeface="微軟正黑體" panose="020B0604030504040204" pitchFamily="34" charset="-120"/>
               </a:rPr>
               <a:t>歌詞轉換成</a:t>
             </a:r>
@@ -11026,7 +11636,8 @@
                   <a:srgbClr val="24292E"/>
                 </a:solidFill>
                 <a:effectLst/>
-                <a:latin typeface="-apple-system"/>
+                <a:latin typeface="微軟正黑體" panose="020B0604030504040204" pitchFamily="34" charset="-120"/>
+                <a:ea typeface="微軟正黑體" panose="020B0604030504040204" pitchFamily="34" charset="-120"/>
               </a:rPr>
               <a:t>word2vec</a:t>
             </a:r>
@@ -11036,7 +11647,8 @@
                   <a:srgbClr val="24292E"/>
                 </a:solidFill>
                 <a:effectLst/>
-                <a:latin typeface="-apple-system"/>
+                <a:latin typeface="微軟正黑體" panose="020B0604030504040204" pitchFamily="34" charset="-120"/>
+                <a:ea typeface="微軟正黑體" panose="020B0604030504040204" pitchFamily="34" charset="-120"/>
               </a:rPr>
               <a:t>時，是否真的能當作好的</a:t>
             </a:r>
@@ -11046,13 +11658,17 @@
                   <a:srgbClr val="24292E"/>
                 </a:solidFill>
                 <a:effectLst/>
-                <a:latin typeface="-apple-system"/>
+                <a:latin typeface="微軟正黑體" panose="020B0604030504040204" pitchFamily="34" charset="-120"/>
+                <a:ea typeface="微軟正黑體" panose="020B0604030504040204" pitchFamily="34" charset="-120"/>
               </a:rPr>
               <a:t>feature</a:t>
             </a:r>
           </a:p>
           <a:p>
-            <a:endParaRPr lang="zh-TW" altLang="en-US" sz="2400" dirty="0"/>
+            <a:endParaRPr lang="zh-TW" altLang="en-US" sz="2400" dirty="0">
+              <a:latin typeface="微軟正黑體" panose="020B0604030504040204" pitchFamily="34" charset="-120"/>
+              <a:ea typeface="微軟正黑體" panose="020B0604030504040204" pitchFamily="34" charset="-120"/>
+            </a:endParaRPr>
           </a:p>
         </p:txBody>
       </p:sp>
@@ -11079,10 +11695,16 @@
           <a:p>
             <a:pPr rtl="0"/>
             <a:fld id="{CE847876-3A2B-49FA-B396-40048599C954}" type="datetime1">
-              <a:rPr lang="zh-TW" altLang="en-US" smtClean="0"/>
+              <a:rPr lang="zh-TW" altLang="en-US" smtClean="0">
+                <a:latin typeface="微軟正黑體" panose="020B0604030504040204" pitchFamily="34" charset="-120"/>
+                <a:ea typeface="微軟正黑體" panose="020B0604030504040204" pitchFamily="34" charset="-120"/>
+              </a:rPr>
               <a:t>2021/1/11</a:t>
             </a:fld>
-            <a:endParaRPr lang="en-US"/>
+            <a:endParaRPr lang="en-US">
+              <a:latin typeface="微軟正黑體" panose="020B0604030504040204" pitchFamily="34" charset="-120"/>
+              <a:ea typeface="微軟正黑體" panose="020B0604030504040204" pitchFamily="34" charset="-120"/>
+            </a:endParaRPr>
           </a:p>
         </p:txBody>
       </p:sp>
@@ -11099,7 +11721,7 @@
 </p:sld>
 </file>
 
-<file path=ppt/slides/slide7.xml><?xml version="1.0" encoding="utf-8"?>
+<file path=ppt/slides/slide8.xml><?xml version="1.0" encoding="utf-8"?>
 <p:sld xmlns:a="http://schemas.openxmlformats.org/drawingml/2006/main" xmlns:r="http://schemas.openxmlformats.org/officeDocument/2006/relationships" xmlns:p="http://schemas.openxmlformats.org/presentationml/2006/main">
   <p:cSld>
     <p:spTree>
